--- a/assets/Презентация_кафедры.pptx
+++ b/assets/Презентация_кафедры.pptx
@@ -5,12 +5,10 @@
     <p:sldMasterId id="2147483648" r:id="rId1"/>
   </p:sldMasterIdLst>
   <p:handoutMasterIdLst>
-    <p:handoutMasterId r:id="rId5"/>
+    <p:handoutMasterId r:id="rId3"/>
   </p:handoutMasterIdLst>
   <p:sldIdLst>
-    <p:sldId id="256" r:id="rId2"/>
-    <p:sldId id="258" r:id="rId3"/>
-    <p:sldId id="257" r:id="rId4"/>
+    <p:sldId id="258" r:id="rId2"/>
   </p:sldIdLst>
   <p:sldSz cx="12192000" cy="6858000"/>
   <p:notesSz cx="6858000" cy="9144000"/>
@@ -202,7 +200,7 @@
           <a:p>
             <a:fld id="{9C363455-89D3-4AD3-92B0-7A4EB228DAD5}" type="datetimeFigureOut">
               <a:rPr lang="ru-RU" smtClean="0"/>
-              <a:t>21.01.2020</a:t>
+              <a:t>25.02.2021</a:t>
             </a:fld>
             <a:endParaRPr lang="ru-RU"/>
           </a:p>
@@ -748,7 +746,7 @@
           <a:p>
             <a:fld id="{401AA7E5-FED2-4178-9F70-846864ACBDD9}" type="datetimeFigureOut">
               <a:rPr lang="ru-RU" smtClean="0"/>
-              <a:t>21.01.2020</a:t>
+              <a:t>25.02.2021</a:t>
             </a:fld>
             <a:endParaRPr lang="ru-RU"/>
           </a:p>
@@ -918,7 +916,7 @@
           <a:p>
             <a:fld id="{401AA7E5-FED2-4178-9F70-846864ACBDD9}" type="datetimeFigureOut">
               <a:rPr lang="ru-RU" smtClean="0"/>
-              <a:t>21.01.2020</a:t>
+              <a:t>25.02.2021</a:t>
             </a:fld>
             <a:endParaRPr lang="ru-RU"/>
           </a:p>
@@ -1098,7 +1096,7 @@
           <a:p>
             <a:fld id="{401AA7E5-FED2-4178-9F70-846864ACBDD9}" type="datetimeFigureOut">
               <a:rPr lang="ru-RU" smtClean="0"/>
-              <a:t>21.01.2020</a:t>
+              <a:t>25.02.2021</a:t>
             </a:fld>
             <a:endParaRPr lang="ru-RU"/>
           </a:p>
@@ -1539,7 +1537,7 @@
           <a:p>
             <a:fld id="{401AA7E5-FED2-4178-9F70-846864ACBDD9}" type="datetimeFigureOut">
               <a:rPr lang="ru-RU" smtClean="0"/>
-              <a:t>21.01.2020</a:t>
+              <a:t>25.02.2021</a:t>
             </a:fld>
             <a:endParaRPr lang="ru-RU"/>
           </a:p>
@@ -1785,7 +1783,7 @@
           <a:p>
             <a:fld id="{401AA7E5-FED2-4178-9F70-846864ACBDD9}" type="datetimeFigureOut">
               <a:rPr lang="ru-RU" smtClean="0"/>
-              <a:t>21.01.2020</a:t>
+              <a:t>25.02.2021</a:t>
             </a:fld>
             <a:endParaRPr lang="ru-RU"/>
           </a:p>
@@ -2017,7 +2015,7 @@
           <a:p>
             <a:fld id="{401AA7E5-FED2-4178-9F70-846864ACBDD9}" type="datetimeFigureOut">
               <a:rPr lang="ru-RU" smtClean="0"/>
-              <a:t>21.01.2020</a:t>
+              <a:t>25.02.2021</a:t>
             </a:fld>
             <a:endParaRPr lang="ru-RU"/>
           </a:p>
@@ -2384,7 +2382,7 @@
           <a:p>
             <a:fld id="{401AA7E5-FED2-4178-9F70-846864ACBDD9}" type="datetimeFigureOut">
               <a:rPr lang="ru-RU" smtClean="0"/>
-              <a:t>21.01.2020</a:t>
+              <a:t>25.02.2021</a:t>
             </a:fld>
             <a:endParaRPr lang="ru-RU"/>
           </a:p>
@@ -2502,7 +2500,7 @@
           <a:p>
             <a:fld id="{401AA7E5-FED2-4178-9F70-846864ACBDD9}" type="datetimeFigureOut">
               <a:rPr lang="ru-RU" smtClean="0"/>
-              <a:t>21.01.2020</a:t>
+              <a:t>25.02.2021</a:t>
             </a:fld>
             <a:endParaRPr lang="ru-RU"/>
           </a:p>
@@ -2597,7 +2595,7 @@
           <a:p>
             <a:fld id="{401AA7E5-FED2-4178-9F70-846864ACBDD9}" type="datetimeFigureOut">
               <a:rPr lang="ru-RU" smtClean="0"/>
-              <a:t>21.01.2020</a:t>
+              <a:t>25.02.2021</a:t>
             </a:fld>
             <a:endParaRPr lang="ru-RU"/>
           </a:p>
@@ -2874,7 +2872,7 @@
           <a:p>
             <a:fld id="{401AA7E5-FED2-4178-9F70-846864ACBDD9}" type="datetimeFigureOut">
               <a:rPr lang="ru-RU" smtClean="0"/>
-              <a:t>21.01.2020</a:t>
+              <a:t>25.02.2021</a:t>
             </a:fld>
             <a:endParaRPr lang="ru-RU"/>
           </a:p>
@@ -3136,7 +3134,7 @@
           <a:p>
             <a:fld id="{401AA7E5-FED2-4178-9F70-846864ACBDD9}" type="datetimeFigureOut">
               <a:rPr lang="ru-RU" smtClean="0"/>
-              <a:t>21.01.2020</a:t>
+              <a:t>25.02.2021</a:t>
             </a:fld>
             <a:endParaRPr lang="ru-RU"/>
           </a:p>
@@ -3674,7 +3672,7 @@
       </p:grpSpPr>
       <p:sp>
         <p:nvSpPr>
-          <p:cNvPr id="9" name="Заголовок 8"/>
+          <p:cNvPr id="4" name="Заголовок 3"/>
           <p:cNvSpPr>
             <a:spLocks noGrp="1"/>
           </p:cNvSpPr>
@@ -3682,18 +3680,56 @@
             <p:ph type="ctrTitle"/>
           </p:nvPr>
         </p:nvSpPr>
-        <p:spPr/>
-        <p:txBody>
-          <a:bodyPr/>
-          <a:lstStyle/>
-          <a:p>
-            <a:endParaRPr lang="ru-RU" dirty="0"/>
-          </a:p>
-        </p:txBody>
-      </p:sp>
-      <p:sp>
-        <p:nvSpPr>
-          <p:cNvPr id="10" name="Подзаголовок 9"/>
+        <p:spPr>
+          <a:xfrm>
+            <a:off x="1524000" y="267436"/>
+            <a:ext cx="7040336" cy="2387600"/>
+          </a:xfrm>
+        </p:spPr>
+        <p:txBody>
+          <a:bodyPr/>
+          <a:lstStyle/>
+          <a:p>
+            <a:r>
+              <a:rPr lang="ru-RU" sz="3600" dirty="0" smtClean="0"/>
+              <a:t>Горизонты физики</a:t>
+            </a:r>
+            <a:r>
+              <a:rPr lang="en-US" sz="1800" dirty="0" smtClean="0"/>
+              <a:t/>
+            </a:r>
+            <a:br>
+              <a:rPr lang="en-US" sz="1800" dirty="0" smtClean="0"/>
+            </a:br>
+            <a:r>
+              <a:rPr lang="en-US" sz="1800" dirty="0" smtClean="0"/>
+              <a:t/>
+            </a:r>
+            <a:br>
+              <a:rPr lang="en-US" sz="1800" dirty="0" smtClean="0"/>
+            </a:br>
+            <a:r>
+              <a:rPr lang="ru-RU" sz="3600" b="0" dirty="0" smtClean="0"/>
+              <a:t>Современное </a:t>
+            </a:r>
+            <a:r>
+              <a:rPr lang="ru-RU" sz="3600" b="0" dirty="0"/>
+              <a:t>образование: вызовы и направления </a:t>
+            </a:r>
+            <a:r>
+              <a:rPr lang="ru-RU" sz="3600" b="0" dirty="0" smtClean="0"/>
+              <a:t>развития</a:t>
+            </a:r>
+            <a:br>
+              <a:rPr lang="ru-RU" sz="3600" b="0" dirty="0" smtClean="0"/>
+            </a:br>
+            <a:endParaRPr lang="ru-RU" sz="3600" dirty="0"/>
+          </a:p>
+        </p:txBody>
+      </p:sp>
+      <p:sp>
+        <p:nvSpPr>
+          <p:cNvPr id="5" name="Подзаголовок 4"/>
           <p:cNvSpPr>
             <a:spLocks noGrp="1"/>
           </p:cNvSpPr>
@@ -3701,109 +3737,94 @@
             <p:ph type="subTitle" idx="1"/>
           </p:nvPr>
         </p:nvSpPr>
-        <p:spPr/>
-        <p:txBody>
-          <a:bodyPr/>
-          <a:lstStyle/>
-          <a:p>
-            <a:endParaRPr lang="ru-RU"/>
-          </a:p>
-        </p:txBody>
-      </p:sp>
-      <p:pic>
-        <p:nvPicPr>
-          <p:cNvPr id="11" name="Рисунок 10"/>
-          <p:cNvPicPr>
-            <a:picLocks noChangeAspect="1"/>
-          </p:cNvPicPr>
-          <p:nvPr/>
-        </p:nvPicPr>
-        <p:blipFill rotWithShape="1">
-          <a:blip r:embed="rId2" cstate="print">
-            <a:extLst>
-              <a:ext uri="{28A0092B-C50C-407E-A947-70E740481C1C}">
-                <a14:useLocalDpi xmlns:a14="http://schemas.microsoft.com/office/drawing/2010/main" val="0"/>
-              </a:ext>
-            </a:extLst>
-          </a:blip>
-          <a:srcRect l="2829" t="10313" r="3667" b="9075"/>
-          <a:stretch/>
-        </p:blipFill>
-        <p:spPr>
-          <a:xfrm>
-            <a:off x="0" y="5741"/>
-            <a:ext cx="12192000" cy="4155198"/>
-          </a:xfrm>
-          <a:prstGeom prst="rect">
-            <a:avLst/>
-          </a:prstGeom>
-        </p:spPr>
-      </p:pic>
-    </p:spTree>
-    <p:extLst>
-      <p:ext uri="{BB962C8B-B14F-4D97-AF65-F5344CB8AC3E}">
-        <p14:creationId xmlns:p14="http://schemas.microsoft.com/office/powerpoint/2010/main" val="2316717274"/>
-      </p:ext>
-    </p:extLst>
-  </p:cSld>
-  <p:clrMapOvr>
-    <a:masterClrMapping/>
-  </p:clrMapOvr>
-</p:sld>
-</file>
-
-<file path=ppt/slides/slide2.xml><?xml version="1.0" encoding="utf-8"?>
-<p:sld xmlns:a="http://schemas.openxmlformats.org/drawingml/2006/main" xmlns:r="http://schemas.openxmlformats.org/officeDocument/2006/relationships" xmlns:p="http://schemas.openxmlformats.org/presentationml/2006/main">
-  <p:cSld>
-    <p:spTree>
-      <p:nvGrpSpPr>
-        <p:cNvPr id="1" name=""/>
-        <p:cNvGrpSpPr/>
-        <p:nvPr/>
-      </p:nvGrpSpPr>
-      <p:grpSpPr>
-        <a:xfrm>
-          <a:off x="0" y="0"/>
-          <a:ext cx="0" cy="0"/>
-          <a:chOff x="0" y="0"/>
-          <a:chExt cx="0" cy="0"/>
-        </a:xfrm>
-      </p:grpSpPr>
-      <p:sp>
-        <p:nvSpPr>
-          <p:cNvPr id="4" name="Заголовок 3"/>
-          <p:cNvSpPr>
-            <a:spLocks noGrp="1"/>
-          </p:cNvSpPr>
-          <p:nvPr>
-            <p:ph type="ctrTitle"/>
-          </p:nvPr>
-        </p:nvSpPr>
-        <p:spPr/>
-        <p:txBody>
-          <a:bodyPr/>
-          <a:lstStyle/>
-          <a:p>
-            <a:endParaRPr lang="ru-RU"/>
-          </a:p>
-        </p:txBody>
-      </p:sp>
-      <p:sp>
-        <p:nvSpPr>
-          <p:cNvPr id="5" name="Подзаголовок 4"/>
-          <p:cNvSpPr>
-            <a:spLocks noGrp="1"/>
-          </p:cNvSpPr>
-          <p:nvPr>
-            <p:ph type="subTitle" idx="1"/>
-          </p:nvPr>
-        </p:nvSpPr>
-        <p:spPr/>
-        <p:txBody>
-          <a:bodyPr/>
-          <a:lstStyle/>
-          <a:p>
-            <a:endParaRPr lang="ru-RU"/>
+        <p:spPr>
+          <a:xfrm>
+            <a:off x="1524000" y="2412575"/>
+            <a:ext cx="7040336" cy="1655762"/>
+          </a:xfrm>
+        </p:spPr>
+        <p:txBody>
+          <a:bodyPr>
+            <a:noAutofit/>
+          </a:bodyPr>
+          <a:lstStyle/>
+          <a:p>
+            <a:r>
+              <a:rPr lang="ru-RU" sz="1800" dirty="0" smtClean="0"/>
+              <a:t>Уважаемые студенты!</a:t>
+            </a:r>
+          </a:p>
+          <a:p>
+            <a:r>
+              <a:rPr lang="ru-RU" sz="1800" dirty="0" smtClean="0"/>
+              <a:t>На прошлой лекции было дано домашнее задание.</a:t>
+            </a:r>
+          </a:p>
+          <a:p>
+            <a:r>
+              <a:rPr lang="ru-RU" sz="1800" dirty="0" smtClean="0"/>
+              <a:t>Если Вы впервые на наших лекциях, пожалуйста, посмотрите предыдущую лекцию в записи и подготовьте задание до 2-го марта.</a:t>
+            </a:r>
+          </a:p>
+          <a:p>
+            <a:r>
+              <a:rPr lang="ru-RU" sz="1800" dirty="0" smtClean="0"/>
+              <a:t>Ссылка на лекцию будет предоставлена в чате по запросу. </a:t>
+            </a:r>
+          </a:p>
+          <a:p>
+            <a:endParaRPr lang="ru-RU" sz="1800" dirty="0" smtClean="0"/>
+          </a:p>
+          <a:p>
+            <a:r>
+              <a:rPr lang="ru-RU" sz="1800" dirty="0" smtClean="0"/>
+              <a:t>Работы остальных студентов ждем до вечера 26-го февраля.</a:t>
+            </a:r>
+          </a:p>
+          <a:p>
+            <a:r>
+              <a:rPr lang="ru-RU" sz="1600" dirty="0" smtClean="0">
+                <a:solidFill>
+                  <a:schemeClr val="accent1">
+                    <a:lumMod val="75000"/>
+                  </a:schemeClr>
+                </a:solidFill>
+              </a:rPr>
+              <a:t>Почта для связи: </a:t>
+            </a:r>
+            <a:r>
+              <a:rPr lang="en-US" sz="1600" dirty="0" smtClean="0">
+                <a:solidFill>
+                  <a:schemeClr val="accent1">
+                    <a:lumMod val="75000"/>
+                  </a:schemeClr>
+                </a:solidFill>
+              </a:rPr>
+              <a:t>paramonova.nn@phystech.edu</a:t>
+            </a:r>
+            <a:endParaRPr lang="ru-RU" sz="1600" dirty="0" smtClean="0">
+              <a:solidFill>
+                <a:schemeClr val="accent1">
+                  <a:lumMod val="75000"/>
+                </a:schemeClr>
+              </a:solidFill>
+            </a:endParaRPr>
+          </a:p>
+          <a:p>
+            <a:r>
+              <a:rPr lang="ru-RU" sz="1600" i="1" dirty="0" smtClean="0"/>
+              <a:t>Занятие на следующей неделе начнется в 17:25</a:t>
+            </a:r>
+          </a:p>
+          <a:p>
+            <a:endParaRPr lang="ru-RU" sz="1600" dirty="0" smtClean="0"/>
+          </a:p>
+          <a:p>
+            <a:pPr algn="r"/>
+            <a:r>
+              <a:rPr lang="ru-RU" sz="1600" dirty="0" smtClean="0"/>
+              <a:t>С уважением, коллектив кафедры инновационной педагогики.</a:t>
+            </a:r>
           </a:p>
         </p:txBody>
       </p:sp>
@@ -3817,74 +3838,13 @@
   <p:clrMapOvr>
     <a:masterClrMapping/>
   </p:clrMapOvr>
-</p:sld>
-</file>
-
-<file path=ppt/slides/slide3.xml><?xml version="1.0" encoding="utf-8"?>
-<p:sld xmlns:a="http://schemas.openxmlformats.org/drawingml/2006/main" xmlns:r="http://schemas.openxmlformats.org/officeDocument/2006/relationships" xmlns:p="http://schemas.openxmlformats.org/presentationml/2006/main">
-  <p:cSld>
-    <p:spTree>
-      <p:nvGrpSpPr>
-        <p:cNvPr id="1" name=""/>
-        <p:cNvGrpSpPr/>
-        <p:nvPr/>
-      </p:nvGrpSpPr>
-      <p:grpSpPr>
-        <a:xfrm>
-          <a:off x="0" y="0"/>
-          <a:ext cx="0" cy="0"/>
-          <a:chOff x="0" y="0"/>
-          <a:chExt cx="0" cy="0"/>
-        </a:xfrm>
-      </p:grpSpPr>
-      <p:sp>
-        <p:nvSpPr>
-          <p:cNvPr id="9" name="Заголовок 8"/>
-          <p:cNvSpPr>
-            <a:spLocks noGrp="1"/>
-          </p:cNvSpPr>
-          <p:nvPr>
-            <p:ph type="title"/>
-          </p:nvPr>
-        </p:nvSpPr>
-        <p:spPr/>
-        <p:txBody>
-          <a:bodyPr/>
-          <a:lstStyle/>
-          <a:p>
-            <a:endParaRPr lang="ru-RU"/>
-          </a:p>
-        </p:txBody>
-      </p:sp>
-      <p:sp>
-        <p:nvSpPr>
-          <p:cNvPr id="10" name="Объект 9"/>
-          <p:cNvSpPr>
-            <a:spLocks noGrp="1"/>
-          </p:cNvSpPr>
-          <p:nvPr>
-            <p:ph idx="1"/>
-          </p:nvPr>
-        </p:nvSpPr>
-        <p:spPr/>
-        <p:txBody>
-          <a:bodyPr/>
-          <a:lstStyle/>
-          <a:p>
-            <a:endParaRPr lang="ru-RU"/>
-          </a:p>
-        </p:txBody>
-      </p:sp>
-    </p:spTree>
-    <p:extLst>
-      <p:ext uri="{BB962C8B-B14F-4D97-AF65-F5344CB8AC3E}">
-        <p14:creationId xmlns:p14="http://schemas.microsoft.com/office/powerpoint/2010/main" val="1292580909"/>
-      </p:ext>
-    </p:extLst>
-  </p:cSld>
-  <p:clrMapOvr>
-    <a:masterClrMapping/>
-  </p:clrMapOvr>
+  <p:timing>
+    <p:tnLst>
+      <p:par>
+        <p:cTn id="1" dur="indefinite" restart="never" nodeType="tmRoot"/>
+      </p:par>
+    </p:tnLst>
+  </p:timing>
 </p:sld>
 </file>
 
